--- a/SQL Saturday Dhaka 2018 - SQL Server-Backup with encryptions-V1.pptx
+++ b/SQL Saturday Dhaka 2018 - SQL Server-Backup with encryptions-V1.pptx
@@ -2295,7 +2295,7 @@
           <a:graphicData uri="http://schemas.openxmlformats.org/presentationml/2006/ole">
             <mc:AlternateContent xmlns:mc="http://schemas.openxmlformats.org/markup-compatibility/2006">
               <mc:Choice xmlns:v="urn:schemas-microsoft-com:vml" Requires="v">
-                <p:oleObj spid="_x0000_s1064" name="Image" r:id="rId11" imgW="2279520" imgH="1310400" progId="Photoshop.Image.18">
+                <p:oleObj spid="_x0000_s1066" name="Image" r:id="rId11" imgW="2279520" imgH="1310400" progId="Photoshop.Image.18">
                   <p:embed/>
                 </p:oleObj>
               </mc:Choice>
@@ -6954,7 +6954,17 @@
             </a:pPr>
             <a:r>
               <a:rPr lang="en-US" dirty="0" smtClean="0"/>
-              <a:t>Peace of mind </a:t>
+              <a:t>Customer requests for an old data</a:t>
+            </a:r>
+          </a:p>
+          <a:p>
+            <a:pPr marL="571500" indent="-571500">
+              <a:buFontTx/>
+              <a:buChar char="-"/>
+            </a:pPr>
+            <a:r>
+              <a:rPr lang="en-US" dirty="0" smtClean="0"/>
+              <a:t>Migrate data to a new system. </a:t>
             </a:r>
             <a:endParaRPr lang="en-US" dirty="0"/>
           </a:p>
